--- a/Lesson 4/Lesson 4.pptx
+++ b/Lesson 4/Lesson 4.pptx
@@ -4131,7 +4131,7 @@
                 <a:latin typeface="Consolas" panose="020B0609020204030204" pitchFamily="49" charset="0"/>
                 <a:cs typeface="Segoe UI Light" panose="020B0502040204020203" pitchFamily="34" charset="0"/>
               </a:rPr>
-              <a:t>    Red = 1</a:t>
+              <a:t>    Red    = 1,</a:t>
             </a:r>
           </a:p>
           <a:p>
@@ -4146,7 +4146,7 @@
                 <a:latin typeface="Consolas" panose="020B0609020204030204" pitchFamily="49" charset="0"/>
                 <a:cs typeface="Segoe UI Light" panose="020B0502040204020203" pitchFamily="34" charset="0"/>
               </a:rPr>
-              <a:t>	Green = 2</a:t>
+              <a:t>	Green  = 2,</a:t>
             </a:r>
           </a:p>
           <a:p>
@@ -4161,7 +4161,52 @@
                 <a:latin typeface="Consolas" panose="020B0609020204030204" pitchFamily="49" charset="0"/>
                 <a:cs typeface="Segoe UI Light" panose="020B0502040204020203" pitchFamily="34" charset="0"/>
               </a:rPr>
-              <a:t>	Blue = 4</a:t>
+              <a:t>	Blue   = 4,</a:t>
+            </a:r>
+          </a:p>
+          <a:p>
+            <a:pPr lvl="1"/>
+            <a:r>
+              <a:rPr lang="en-GB" sz="1600" dirty="0">
+                <a:solidFill>
+                  <a:schemeClr val="bg1">
+                    <a:lumMod val="85000"/>
+                  </a:schemeClr>
+                </a:solidFill>
+                <a:latin typeface="Consolas" panose="020B0609020204030204" pitchFamily="49" charset="0"/>
+                <a:cs typeface="Segoe UI Light" panose="020B0502040204020203" pitchFamily="34" charset="0"/>
+              </a:rPr>
+              <a:t>    Yellow = 8,</a:t>
+            </a:r>
+          </a:p>
+          <a:p>
+            <a:pPr lvl="1"/>
+            <a:r>
+              <a:rPr lang="en-GB" sz="1600" dirty="0">
+                <a:solidFill>
+                  <a:schemeClr val="bg1">
+                    <a:lumMod val="85000"/>
+                  </a:schemeClr>
+                </a:solidFill>
+                <a:latin typeface="Consolas" panose="020B0609020204030204" pitchFamily="49" charset="0"/>
+                <a:cs typeface="Segoe UI Light" panose="020B0502040204020203" pitchFamily="34" charset="0"/>
+              </a:rPr>
+              <a:t> 	Purple = 16,</a:t>
+            </a:r>
+          </a:p>
+          <a:p>
+            <a:pPr lvl="1"/>
+            <a:r>
+              <a:rPr lang="en-GB" sz="1600" dirty="0">
+                <a:solidFill>
+                  <a:schemeClr val="bg1">
+                    <a:lumMod val="85000"/>
+                  </a:schemeClr>
+                </a:solidFill>
+                <a:latin typeface="Consolas" panose="020B0609020204030204" pitchFamily="49" charset="0"/>
+                <a:cs typeface="Segoe UI Light" panose="020B0502040204020203" pitchFamily="34" charset="0"/>
+              </a:rPr>
+              <a:t>	Pink   = 32</a:t>
             </a:r>
           </a:p>
           <a:p>
@@ -4346,7 +4391,7 @@
                 <a:latin typeface="Consolas" panose="020B0609020204030204" pitchFamily="49" charset="0"/>
                 <a:cs typeface="Segoe UI Light" panose="020B0502040204020203" pitchFamily="34" charset="0"/>
               </a:rPr>
-              <a:t>	Apple = 1 &lt;&lt; 0,</a:t>
+              <a:t>	Apple  = 1 &lt;&lt; 0,</a:t>
             </a:r>
           </a:p>
           <a:p>
@@ -4376,7 +4421,7 @@
                 <a:latin typeface="Consolas" panose="020B0609020204030204" pitchFamily="49" charset="0"/>
                 <a:cs typeface="Segoe UI Light" panose="020B0502040204020203" pitchFamily="34" charset="0"/>
               </a:rPr>
-              <a:t>    Pear = 1 &lt;&lt; 2,</a:t>
+              <a:t>    Pear   = 1 &lt;&lt; 2,</a:t>
             </a:r>
           </a:p>
           <a:p>
@@ -4391,7 +4436,7 @@
                 <a:latin typeface="Consolas" panose="020B0609020204030204" pitchFamily="49" charset="0"/>
                 <a:cs typeface="Segoe UI Light" panose="020B0502040204020203" pitchFamily="34" charset="0"/>
               </a:rPr>
-              <a:t>	Grape = 1 &lt;&lt; 3,</a:t>
+              <a:t>	Grape  = 1 &lt;&lt; 3,</a:t>
             </a:r>
           </a:p>
           <a:p>
@@ -4406,7 +4451,7 @@
                 <a:latin typeface="Consolas" panose="020B0609020204030204" pitchFamily="49" charset="0"/>
                 <a:cs typeface="Segoe UI Light" panose="020B0502040204020203" pitchFamily="34" charset="0"/>
               </a:rPr>
-              <a:t>	Kiwi = 1 &lt;&lt; 4,</a:t>
+              <a:t>	Kiwi   = 1 &lt;&lt; 4,</a:t>
             </a:r>
           </a:p>
           <a:p>

--- a/Lesson 4/Lesson 4.pptx
+++ b/Lesson 4/Lesson 4.pptx
@@ -4764,6 +4764,22 @@
                 <a:latin typeface="Segoe UI Light" panose="020B0502040204020203" pitchFamily="34" charset="0"/>
                 <a:cs typeface="Segoe UI Light" panose="020B0502040204020203" pitchFamily="34" charset="0"/>
               </a:rPr>
+              <a:t>Multicast delegates allow multiple methods to be invoked by a single delegate</a:t>
+            </a:r>
+          </a:p>
+          <a:p>
+            <a:pPr marL="742950" lvl="1" indent="-285750">
+              <a:lnSpc>
+                <a:spcPct val="150000"/>
+              </a:lnSpc>
+              <a:buFont typeface="Wingdings" panose="05000000000000000000" pitchFamily="2" charset="2"/>
+              <a:buChar char="§"/>
+            </a:pPr>
+            <a:r>
+              <a:rPr lang="en-GB" sz="2400" dirty="0">
+                <a:latin typeface="Segoe UI Light" panose="020B0502040204020203" pitchFamily="34" charset="0"/>
+                <a:cs typeface="Segoe UI Light" panose="020B0502040204020203" pitchFamily="34" charset="0"/>
+              </a:rPr>
               <a:t>Provides the basis of event driven programming in C#</a:t>
             </a:r>
           </a:p>
